--- a/Officer/FinishedTemp.pptx
+++ b/Officer/FinishedTemp.pptx
@@ -12225,33 +12225,6 @@
           </a:p>
         </p:txBody>
       </p:sp>
-      <p:sp xmlns:a="http://schemas.openxmlformats.org/drawingml/2006/main" xmlns:r="http://schemas.openxmlformats.org/officeDocument/2006/relationships" xmlns:p="http://schemas.openxmlformats.org/presentationml/2006/main">
-        <p:nvSpPr>
-          <p:cNvPr id="4" name=""/>
-          <p:cNvSpPr>
-            <a:spLocks noGrp="1"/>
-          </p:cNvSpPr>
-          <p:nvPr>
-            <p:ph type="dt" sz="half" idx="10"/>
-          </p:nvPr>
-        </p:nvSpPr>
-        <p:spPr>
-          <a:xfrm>
-            <a:off x="838200" y="6356350"/>
-            <a:ext cx="2743200" cy="365125"/>
-          </a:xfrm>
-        </p:spPr>
-        <p:txBody>
-          <a:bodyPr/>
-          <a:lstStyle/>
-          <a:p>
-            <a:r>
-              <a:rPr/>
-              <a:t>2018-11-16</a:t>
-            </a:r>
-          </a:p>
-        </p:txBody>
-      </p:sp>
     </p:spTree>
   </p:cSld>
   <p:clrMapOvr>
@@ -12324,13 +12297,38 @@
           <a:bodyPr/>
           <a:lstStyle/>
           <a:p>
+            <a:pPr/>
             <a:r>
               <a:rPr/>
-              <a:t>1. Represents ownership in a firm 
-2. Earn a return in two ways
-  - Price of the stock rises over time
-  - Dividends are paid to the stockholder
-3. Stockholders have claim on all assets</a:t>
+              <a:t>1. Represents ownership in a firm </a:t>
+            </a:r>
+          </a:p>
+          <a:p>
+            <a:pPr/>
+            <a:r>
+              <a:rPr/>
+              <a:t>2. Earn a return in two ways</a:t>
+            </a:r>
+          </a:p>
+          <a:p>
+            <a:pPr lvl="1"/>
+            <a:r>
+              <a:rPr/>
+              <a:t>Price of the stock rises over time</a:t>
+            </a:r>
+          </a:p>
+          <a:p>
+            <a:pPr lvl="1"/>
+            <a:r>
+              <a:rPr/>
+              <a:t>Dividends are paid to the stockholder</a:t>
+            </a:r>
+          </a:p>
+          <a:p>
+            <a:pPr/>
+            <a:r>
+              <a:rPr/>
+              <a:t>3. Stockholders have claim on all assets</a:t>
             </a:r>
           </a:p>
         </p:txBody>
@@ -12355,43 +12353,59 @@
           <a:bodyPr/>
           <a:lstStyle/>
           <a:p>
+            <a:pPr/>
             <a:r>
               <a:rPr/>
-              <a:t>4. Right to vote for directors and on certain issues
-5. Two types
-  - Common stock
-       Right to vote
-       Receive dividends
-  - Preferred stock
-       Receive a fixed dividend
-       Do not usually vote</a:t>
+              <a:t>4. Right to vote for directors and on certain issues</a:t>
             </a:r>
           </a:p>
-        </p:txBody>
-      </p:sp>
-      <p:sp xmlns:a="http://schemas.openxmlformats.org/drawingml/2006/main" xmlns:r="http://schemas.openxmlformats.org/officeDocument/2006/relationships" xmlns:p="http://schemas.openxmlformats.org/presentationml/2006/main">
-        <p:nvSpPr>
-          <p:cNvPr id="5" name=""/>
-          <p:cNvSpPr>
-            <a:spLocks noGrp="1"/>
-          </p:cNvSpPr>
-          <p:nvPr>
-            <p:ph type="sldNum" sz="quarter" idx="12"/>
-          </p:nvPr>
-        </p:nvSpPr>
-        <p:spPr>
-          <a:xfrm>
-            <a:off x="9085384" y="6463207"/>
-            <a:ext cx="2743200" cy="249385"/>
-          </a:xfrm>
-        </p:spPr>
-        <p:txBody>
-          <a:bodyPr/>
-          <a:lstStyle/>
-          <a:p>
+          <a:p>
+            <a:pPr/>
             <a:r>
               <a:rPr/>
-              <a:t>Slide 01</a:t>
+              <a:t>5. Two types</a:t>
+            </a:r>
+          </a:p>
+          <a:p>
+            <a:pPr lvl="1"/>
+            <a:r>
+              <a:rPr/>
+              <a:t>Common stock</a:t>
+            </a:r>
+          </a:p>
+          <a:p>
+            <a:pPr lvl="2"/>
+            <a:r>
+              <a:rPr/>
+              <a:t>Right to vote</a:t>
+            </a:r>
+          </a:p>
+          <a:p>
+            <a:pPr lvl="2"/>
+            <a:r>
+              <a:rPr/>
+              <a:t>Receive dividends</a:t>
+            </a:r>
+          </a:p>
+          <a:p>
+            <a:pPr lvl="1"/>
+            <a:r>
+              <a:rPr/>
+              <a:t>Preferred stock</a:t>
+            </a:r>
+          </a:p>
+          <a:p>
+            <a:pPr lvl="2"/>
+            <a:r>
+              <a:rPr/>
+              <a:t>Receive a fixed dividend</a:t>
+            </a:r>
+          </a:p>
+          <a:p>
+            <a:pPr lvl="2"/>
+            <a:r>
+              <a:rPr/>
+              <a:t> Do not usually vote</a:t>
             </a:r>
           </a:p>
         </p:txBody>
@@ -12498,33 +12512,6 @@
           </a:p>
         </p:txBody>
       </p:sp>
-      <p:sp xmlns:a="http://schemas.openxmlformats.org/drawingml/2006/main" xmlns:r="http://schemas.openxmlformats.org/officeDocument/2006/relationships" xmlns:p="http://schemas.openxmlformats.org/presentationml/2006/main">
-        <p:nvSpPr>
-          <p:cNvPr id="5" name=""/>
-          <p:cNvSpPr>
-            <a:spLocks noGrp="1"/>
-          </p:cNvSpPr>
-          <p:nvPr>
-            <p:ph type="sldNum" sz="quarter" idx="12"/>
-          </p:nvPr>
-        </p:nvSpPr>
-        <p:spPr>
-          <a:xfrm>
-            <a:off x="9085384" y="6463207"/>
-            <a:ext cx="2743200" cy="249385"/>
-          </a:xfrm>
-        </p:spPr>
-        <p:txBody>
-          <a:bodyPr/>
-          <a:lstStyle/>
-          <a:p>
-            <a:r>
-              <a:rPr/>
-              <a:t>Slide 02</a:t>
-            </a:r>
-          </a:p>
-        </p:txBody>
-      </p:sp>
     </p:spTree>
   </p:cSld>
   <p:clrMapOvr>
@@ -12622,33 +12609,6 @@
             <a:r>
               <a:rPr/>
               <a:t>A decline of 15-20% of the broad market coupled with pessimistic sentiment underlying the stock market.</a:t>
-            </a:r>
-          </a:p>
-        </p:txBody>
-      </p:sp>
-      <p:sp xmlns:a="http://schemas.openxmlformats.org/drawingml/2006/main" xmlns:r="http://schemas.openxmlformats.org/officeDocument/2006/relationships" xmlns:p="http://schemas.openxmlformats.org/presentationml/2006/main">
-        <p:nvSpPr>
-          <p:cNvPr id="5" name=""/>
-          <p:cNvSpPr>
-            <a:spLocks noGrp="1"/>
-          </p:cNvSpPr>
-          <p:nvPr>
-            <p:ph type="sldNum" sz="quarter" idx="12"/>
-          </p:nvPr>
-        </p:nvSpPr>
-        <p:spPr>
-          <a:xfrm>
-            <a:off x="9085384" y="6463207"/>
-            <a:ext cx="2743200" cy="249385"/>
-          </a:xfrm>
-        </p:spPr>
-        <p:txBody>
-          <a:bodyPr/>
-          <a:lstStyle/>
-          <a:p>
-            <a:r>
-              <a:rPr/>
-              <a:t>Slide 03</a:t>
             </a:r>
           </a:p>
         </p:txBody>
@@ -12727,33 +12687,6 @@
           </a:p>
         </p:txBody>
       </p:sp>
-      <p:sp xmlns:a="http://schemas.openxmlformats.org/drawingml/2006/main" xmlns:r="http://schemas.openxmlformats.org/officeDocument/2006/relationships" xmlns:p="http://schemas.openxmlformats.org/presentationml/2006/main">
-        <p:nvSpPr>
-          <p:cNvPr id="4" name=""/>
-          <p:cNvSpPr>
-            <a:spLocks noGrp="1"/>
-          </p:cNvSpPr>
-          <p:nvPr>
-            <p:ph type="sldNum" sz="quarter" idx="12"/>
-          </p:nvPr>
-        </p:nvSpPr>
-        <p:spPr>
-          <a:xfrm>
-            <a:off x="9085384" y="6463207"/>
-            <a:ext cx="2743200" cy="249385"/>
-          </a:xfrm>
-        </p:spPr>
-        <p:txBody>
-          <a:bodyPr/>
-          <a:lstStyle/>
-          <a:p>
-            <a:r>
-              <a:rPr/>
-              <a:t>Slide 04</a:t>
-            </a:r>
-          </a:p>
-        </p:txBody>
-      </p:sp>
     </p:spTree>
   </p:cSld>
   <p:clrMapOvr>
@@ -12828,33 +12761,6 @@
           </a:p>
         </p:txBody>
       </p:sp>
-      <p:sp xmlns:a="http://schemas.openxmlformats.org/drawingml/2006/main" xmlns:r="http://schemas.openxmlformats.org/officeDocument/2006/relationships" xmlns:p="http://schemas.openxmlformats.org/presentationml/2006/main">
-        <p:nvSpPr>
-          <p:cNvPr id="4" name=""/>
-          <p:cNvSpPr>
-            <a:spLocks noGrp="1"/>
-          </p:cNvSpPr>
-          <p:nvPr>
-            <p:ph type="sldNum" sz="quarter" idx="12"/>
-          </p:nvPr>
-        </p:nvSpPr>
-        <p:spPr>
-          <a:xfrm>
-            <a:off x="9085384" y="6463207"/>
-            <a:ext cx="2743200" cy="249385"/>
-          </a:xfrm>
-        </p:spPr>
-        <p:txBody>
-          <a:bodyPr/>
-          <a:lstStyle/>
-          <a:p>
-            <a:r>
-              <a:rPr/>
-              <a:t>Slide 05</a:t>
-            </a:r>
-          </a:p>
-        </p:txBody>
-      </p:sp>
     </p:spTree>
   </p:cSld>
   <p:clrMapOvr>
@@ -12925,38 +12831,24 @@
           <a:bodyPr/>
           <a:lstStyle/>
           <a:p>
+            <a:pPr/>
             <a:r>
               <a:rPr/>
-              <a:t>Sept. 30, 2002  Dow  7528
-Jan. 5, 2004      Dow  10,568
-Oct. 8, 2007      Dow   14093</a:t>
+              <a:t>Sept. 30, 2002  Dow  7,528</a:t>
             </a:r>
           </a:p>
-        </p:txBody>
-      </p:sp>
-      <p:sp xmlns:a="http://schemas.openxmlformats.org/drawingml/2006/main" xmlns:r="http://schemas.openxmlformats.org/officeDocument/2006/relationships" xmlns:p="http://schemas.openxmlformats.org/presentationml/2006/main">
-        <p:nvSpPr>
-          <p:cNvPr id="4" name=""/>
-          <p:cNvSpPr>
-            <a:spLocks noGrp="1"/>
-          </p:cNvSpPr>
-          <p:nvPr>
-            <p:ph type="sldNum" sz="quarter" idx="12"/>
-          </p:nvPr>
-        </p:nvSpPr>
-        <p:spPr>
-          <a:xfrm>
-            <a:off x="9085384" y="6463207"/>
-            <a:ext cx="2743200" cy="249385"/>
-          </a:xfrm>
-        </p:spPr>
-        <p:txBody>
-          <a:bodyPr/>
-          <a:lstStyle/>
-          <a:p>
+          <a:p>
+            <a:pPr/>
             <a:r>
               <a:rPr/>
-              <a:t>Slide 06</a:t>
+              <a:t>Jan. 5, 2004   Dow  10,568</a:t>
+            </a:r>
+          </a:p>
+          <a:p>
+            <a:pPr/>
+            <a:r>
+              <a:rPr/>
+              <a:t>Oct. 8, 2007      Dow   14,093</a:t>
             </a:r>
           </a:p>
         </p:txBody>
@@ -13031,39 +12923,31 @@
           <a:bodyPr/>
           <a:lstStyle/>
           <a:p>
+            <a:pPr/>
             <a:r>
               <a:rPr/>
-              <a:t>Decide whether this is a market correction or the start of something more
-Review the stocks you own
-Review stocks you wanted to own but were too expensive at time of research
-Check your portfolio for balance or the type of stocks you own</a:t>
+              <a:t>Decide whether this is a market correction or the start of something more</a:t>
             </a:r>
           </a:p>
-        </p:txBody>
-      </p:sp>
-      <p:sp xmlns:a="http://schemas.openxmlformats.org/drawingml/2006/main" xmlns:r="http://schemas.openxmlformats.org/officeDocument/2006/relationships" xmlns:p="http://schemas.openxmlformats.org/presentationml/2006/main">
-        <p:nvSpPr>
-          <p:cNvPr id="4" name=""/>
-          <p:cNvSpPr>
-            <a:spLocks noGrp="1"/>
-          </p:cNvSpPr>
-          <p:nvPr>
-            <p:ph type="sldNum" sz="quarter" idx="12"/>
-          </p:nvPr>
-        </p:nvSpPr>
-        <p:spPr>
-          <a:xfrm>
-            <a:off x="9085384" y="6463207"/>
-            <a:ext cx="2743200" cy="249385"/>
-          </a:xfrm>
-        </p:spPr>
-        <p:txBody>
-          <a:bodyPr/>
-          <a:lstStyle/>
-          <a:p>
+          <a:p>
+            <a:pPr/>
             <a:r>
               <a:rPr/>
-              <a:t>Slide 07</a:t>
+              <a:t>Review the stocks you own</a:t>
+            </a:r>
+          </a:p>
+          <a:p>
+            <a:pPr/>
+            <a:r>
+              <a:rPr/>
+              <a:t>Review stocks you wanted to own but were too expensive at time of research</a:t>
+            </a:r>
+          </a:p>
+          <a:p>
+            <a:pPr/>
+            <a:r>
+              <a:rPr/>
+              <a:t>Check your portfolio for balance or the type of stocks you own</a:t>
             </a:r>
           </a:p>
         </p:txBody>

--- a/Officer/FinishedTemp.pptx
+++ b/Officer/FinishedTemp.pptx
@@ -12220,7 +12220,7 @@
           <a:p>
             <a:r>
               <a:rPr/>
-              <a:t>Xiang XU, TangJing, Ningze ZU,Jianhao Yan</a:t>
+              <a:t>Xiang XU, Jing TANG, Ningze ZU,Jianhao Yan</a:t>
             </a:r>
           </a:p>
         </p:txBody>
